--- a/DWDM.pptx
+++ b/DWDM.pptx
@@ -16,8 +16,10 @@
     <p:sldId id="266" r:id="rId10"/>
     <p:sldId id="267" r:id="rId11"/>
     <p:sldId id="262" r:id="rId12"/>
-    <p:sldId id="264" r:id="rId13"/>
-    <p:sldId id="268" r:id="rId14"/>
+    <p:sldId id="269" r:id="rId13"/>
+    <p:sldId id="270" r:id="rId14"/>
+    <p:sldId id="264" r:id="rId15"/>
+    <p:sldId id="268" r:id="rId16"/>
   </p:sldIdLst>
   <p:sldSz cx="9144000" cy="6858000" type="screen4x3"/>
   <p:notesSz cx="6858000" cy="9144000"/>
@@ -777,7 +779,7 @@
           <a:p>
             <a:fld id="{58C94F32-3557-42ED-A108-2D4B92AD604D}" type="datetimeFigureOut">
               <a:rPr lang="en-IN" smtClean="0"/>
-              <a:t>20-01-2020</a:t>
+              <a:t>21-01-2020</a:t>
             </a:fld>
             <a:endParaRPr lang="en-IN"/>
           </a:p>
@@ -960,7 +962,7 @@
           <a:p>
             <a:fld id="{58C94F32-3557-42ED-A108-2D4B92AD604D}" type="datetimeFigureOut">
               <a:rPr lang="en-IN" smtClean="0"/>
-              <a:t>20-01-2020</a:t>
+              <a:t>21-01-2020</a:t>
             </a:fld>
             <a:endParaRPr lang="en-IN"/>
           </a:p>
@@ -1135,7 +1137,7 @@
           <a:p>
             <a:fld id="{58C94F32-3557-42ED-A108-2D4B92AD604D}" type="datetimeFigureOut">
               <a:rPr lang="en-IN" smtClean="0"/>
-              <a:t>20-01-2020</a:t>
+              <a:t>21-01-2020</a:t>
             </a:fld>
             <a:endParaRPr lang="en-IN"/>
           </a:p>
@@ -1300,7 +1302,7 @@
           <a:p>
             <a:fld id="{58C94F32-3557-42ED-A108-2D4B92AD604D}" type="datetimeFigureOut">
               <a:rPr lang="en-IN" smtClean="0"/>
-              <a:t>20-01-2020</a:t>
+              <a:t>21-01-2020</a:t>
             </a:fld>
             <a:endParaRPr lang="en-IN"/>
           </a:p>
@@ -1521,7 +1523,7 @@
           <a:p>
             <a:fld id="{58C94F32-3557-42ED-A108-2D4B92AD604D}" type="datetimeFigureOut">
               <a:rPr lang="en-IN" smtClean="0"/>
-              <a:t>20-01-2020</a:t>
+              <a:t>21-01-2020</a:t>
             </a:fld>
             <a:endParaRPr lang="en-IN"/>
           </a:p>
@@ -1780,7 +1782,7 @@
           <a:p>
             <a:fld id="{58C94F32-3557-42ED-A108-2D4B92AD604D}" type="datetimeFigureOut">
               <a:rPr lang="en-IN" smtClean="0"/>
-              <a:t>20-01-2020</a:t>
+              <a:t>21-01-2020</a:t>
             </a:fld>
             <a:endParaRPr lang="en-IN"/>
           </a:p>
@@ -2184,7 +2186,7 @@
           <a:p>
             <a:fld id="{58C94F32-3557-42ED-A108-2D4B92AD604D}" type="datetimeFigureOut">
               <a:rPr lang="en-IN" smtClean="0"/>
-              <a:t>20-01-2020</a:t>
+              <a:t>21-01-2020</a:t>
             </a:fld>
             <a:endParaRPr lang="en-IN"/>
           </a:p>
@@ -2315,7 +2317,7 @@
           <a:p>
             <a:fld id="{58C94F32-3557-42ED-A108-2D4B92AD604D}" type="datetimeFigureOut">
               <a:rPr lang="en-IN" smtClean="0"/>
-              <a:t>20-01-2020</a:t>
+              <a:t>21-01-2020</a:t>
             </a:fld>
             <a:endParaRPr lang="en-IN"/>
           </a:p>
@@ -2415,7 +2417,7 @@
           <a:p>
             <a:fld id="{58C94F32-3557-42ED-A108-2D4B92AD604D}" type="datetimeFigureOut">
               <a:rPr lang="en-IN" smtClean="0"/>
-              <a:t>20-01-2020</a:t>
+              <a:t>21-01-2020</a:t>
             </a:fld>
             <a:endParaRPr lang="en-IN"/>
           </a:p>
@@ -2660,7 +2662,7 @@
           <a:p>
             <a:fld id="{58C94F32-3557-42ED-A108-2D4B92AD604D}" type="datetimeFigureOut">
               <a:rPr lang="en-IN" smtClean="0"/>
-              <a:t>20-01-2020</a:t>
+              <a:t>21-01-2020</a:t>
             </a:fld>
             <a:endParaRPr lang="en-IN"/>
           </a:p>
@@ -2904,7 +2906,7 @@
           <a:p>
             <a:fld id="{58C94F32-3557-42ED-A108-2D4B92AD604D}" type="datetimeFigureOut">
               <a:rPr lang="en-IN" smtClean="0"/>
-              <a:t>20-01-2020</a:t>
+              <a:t>21-01-2020</a:t>
             </a:fld>
             <a:endParaRPr lang="en-IN"/>
           </a:p>
@@ -3728,7 +3730,7 @@
           <a:p>
             <a:fld id="{58C94F32-3557-42ED-A108-2D4B92AD604D}" type="datetimeFigureOut">
               <a:rPr lang="en-IN" smtClean="0"/>
-              <a:t>20-01-2020</a:t>
+              <a:t>21-01-2020</a:t>
             </a:fld>
             <a:endParaRPr lang="en-IN"/>
           </a:p>
@@ -4233,11 +4235,7 @@
             </a:r>
             <a:r>
               <a:rPr lang="en-IN" dirty="0" smtClean="0"/>
-              <a:t> (PC-14</a:t>
-            </a:r>
-            <a:r>
-              <a:rPr lang="en-IN" dirty="0" smtClean="0"/>
-              <a:t>)</a:t>
+              <a:t> (PC-14)</a:t>
             </a:r>
           </a:p>
           <a:p>
@@ -4273,11 +4271,7 @@
             </a:r>
             <a:r>
               <a:rPr lang="en-IN" dirty="0" smtClean="0"/>
-              <a:t> Gupta (</a:t>
-            </a:r>
-            <a:r>
-              <a:rPr lang="en-IN" dirty="0" smtClean="0"/>
-              <a:t>PC- </a:t>
+              <a:t> Gupta (PC- </a:t>
             </a:r>
             <a:r>
               <a:rPr lang="en-IN" smtClean="0"/>
@@ -4466,7 +4460,7 @@
         <p:spPr/>
         <p:txBody>
           <a:bodyPr>
-            <a:normAutofit fontScale="92500" lnSpcReduction="20000"/>
+            <a:normAutofit fontScale="77500" lnSpcReduction="20000"/>
           </a:bodyPr>
           <a:lstStyle/>
           <a:p>
@@ -4481,116 +4475,107 @@
           <a:p>
             <a:pPr lvl="2"/>
             <a:r>
-              <a:rPr lang="en-IN" sz="3500" dirty="0" smtClean="0">
-                <a:latin typeface="Calibri Light" pitchFamily="34" charset="0"/>
-                <a:cs typeface="Calibri Light" pitchFamily="34" charset="0"/>
-              </a:rPr>
-              <a:t>At first we used linear regression model. </a:t>
-            </a:r>
-          </a:p>
-          <a:p>
-            <a:pPr lvl="2"/>
-            <a:r>
-              <a:rPr lang="en-IN" sz="3500" dirty="0" smtClean="0">
-                <a:latin typeface="Calibri Light" pitchFamily="34" charset="0"/>
-                <a:cs typeface="Calibri Light" pitchFamily="34" charset="0"/>
-              </a:rPr>
-              <a:t>As a result, </a:t>
-            </a:r>
-            <a:r>
-              <a:rPr lang="en-US" sz="3500" dirty="0" smtClean="0">
-                <a:latin typeface="Calibri Light" pitchFamily="34" charset="0"/>
-                <a:cs typeface="Calibri Light" pitchFamily="34" charset="0"/>
-              </a:rPr>
-              <a:t>the model underestimated </a:t>
-            </a:r>
-            <a:r>
-              <a:rPr lang="en-US" sz="3500" dirty="0">
-                <a:latin typeface="Calibri Light" pitchFamily="34" charset="0"/>
-                <a:cs typeface="Calibri Light" pitchFamily="34" charset="0"/>
-              </a:rPr>
-              <a:t>the large </a:t>
-            </a:r>
-            <a:r>
-              <a:rPr lang="en-US" sz="3500" dirty="0" smtClean="0">
-                <a:latin typeface="Calibri Light" pitchFamily="34" charset="0"/>
-                <a:cs typeface="Calibri Light" pitchFamily="34" charset="0"/>
-              </a:rPr>
-              <a:t>delays.</a:t>
-            </a:r>
-          </a:p>
-          <a:p>
-            <a:pPr lvl="2"/>
-            <a:r>
-              <a:rPr lang="en-US" sz="3500" dirty="0" smtClean="0">
-                <a:latin typeface="Calibri Light" pitchFamily="34" charset="0"/>
-                <a:cs typeface="Calibri Light" pitchFamily="34" charset="0"/>
-              </a:rPr>
-              <a:t>So, we extended </a:t>
-            </a:r>
-            <a:r>
-              <a:rPr lang="en-US" sz="3500" dirty="0">
-                <a:latin typeface="Calibri Light" pitchFamily="34" charset="0"/>
-                <a:cs typeface="Calibri Light" pitchFamily="34" charset="0"/>
-              </a:rPr>
-              <a:t>the previous fit by using a polynomial rather than a linear </a:t>
-            </a:r>
-            <a:r>
-              <a:rPr lang="en-US" sz="3500" dirty="0" smtClean="0">
-                <a:latin typeface="Calibri Light" pitchFamily="34" charset="0"/>
-                <a:cs typeface="Calibri Light" pitchFamily="34" charset="0"/>
-              </a:rPr>
-              <a:t>function.</a:t>
-            </a:r>
-          </a:p>
-          <a:p>
-            <a:pPr lvl="2"/>
-            <a:r>
-              <a:rPr lang="en-US" sz="3500" dirty="0">
-                <a:latin typeface="Calibri Light" pitchFamily="34" charset="0"/>
-                <a:cs typeface="Calibri Light" pitchFamily="34" charset="0"/>
-              </a:rPr>
-              <a:t>We </a:t>
-            </a:r>
-            <a:r>
-              <a:rPr lang="en-US" sz="3500" dirty="0" smtClean="0">
-                <a:latin typeface="Calibri Light" pitchFamily="34" charset="0"/>
-                <a:cs typeface="Calibri Light" pitchFamily="34" charset="0"/>
-              </a:rPr>
-              <a:t>observed  </a:t>
-            </a:r>
-            <a:r>
-              <a:rPr lang="en-US" sz="3500" dirty="0">
-                <a:latin typeface="Calibri Light" pitchFamily="34" charset="0"/>
-                <a:cs typeface="Calibri Light" pitchFamily="34" charset="0"/>
-              </a:rPr>
-              <a:t>that a polynomial fit </a:t>
-            </a:r>
-            <a:r>
-              <a:rPr lang="en-US" sz="3500" dirty="0" smtClean="0">
-                <a:latin typeface="Calibri Light" pitchFamily="34" charset="0"/>
-                <a:cs typeface="Calibri Light" pitchFamily="34" charset="0"/>
-              </a:rPr>
-              <a:t>improved the MSE score slightly.</a:t>
-            </a:r>
-          </a:p>
-          <a:p>
-            <a:pPr lvl="2"/>
-            <a:r>
-              <a:rPr lang="en-IN" sz="3500" dirty="0" smtClean="0">
-                <a:latin typeface="Calibri Light" pitchFamily="34" charset="0"/>
-                <a:cs typeface="Calibri Light" pitchFamily="34" charset="0"/>
-              </a:rPr>
-              <a:t>Then we used Ridge Regularization for better accuracy. </a:t>
-            </a:r>
-            <a:endParaRPr lang="en-IN" sz="3500" dirty="0">
+              <a:rPr lang="en-US" sz="4400" dirty="0">
+                <a:latin typeface="Calibri Light" pitchFamily="34" charset="0"/>
+                <a:cs typeface="Calibri Light" pitchFamily="34" charset="0"/>
+              </a:rPr>
+              <a:t>In statistics, </a:t>
+            </a:r>
+            <a:r>
+              <a:rPr lang="en-US" sz="4400" b="1" dirty="0">
+                <a:latin typeface="Calibri Light" pitchFamily="34" charset="0"/>
+                <a:cs typeface="Calibri Light" pitchFamily="34" charset="0"/>
+              </a:rPr>
+              <a:t>linear regression</a:t>
+            </a:r>
+            <a:r>
+              <a:rPr lang="en-US" sz="4400" dirty="0">
+                <a:latin typeface="Calibri Light" pitchFamily="34" charset="0"/>
+                <a:cs typeface="Calibri Light" pitchFamily="34" charset="0"/>
+              </a:rPr>
+              <a:t> is a </a:t>
+            </a:r>
+            <a:r>
+              <a:rPr lang="en-US" sz="4400" b="1" dirty="0">
+                <a:latin typeface="Calibri Light" pitchFamily="34" charset="0"/>
+                <a:cs typeface="Calibri Light" pitchFamily="34" charset="0"/>
+              </a:rPr>
+              <a:t>linear</a:t>
+            </a:r>
+            <a:r>
+              <a:rPr lang="en-US" sz="4400" dirty="0">
+                <a:latin typeface="Calibri Light" pitchFamily="34" charset="0"/>
+                <a:cs typeface="Calibri Light" pitchFamily="34" charset="0"/>
+              </a:rPr>
+              <a:t> approach to modeling the relationship between a scalar response (or dependent variable) and one or more explanatory variables (or independent variables).</a:t>
+            </a:r>
+            <a:endParaRPr lang="en-IN" sz="4400" dirty="0" smtClean="0">
               <a:latin typeface="Calibri Light" pitchFamily="34" charset="0"/>
               <a:cs typeface="Calibri Light" pitchFamily="34" charset="0"/>
             </a:endParaRPr>
           </a:p>
           <a:p>
             <a:pPr lvl="2"/>
-            <a:endParaRPr lang="en-US" sz="3200" dirty="0" smtClean="0">
+            <a:r>
+              <a:rPr lang="en-IN" sz="4400" dirty="0" smtClean="0">
+                <a:latin typeface="Calibri Light" pitchFamily="34" charset="0"/>
+                <a:cs typeface="Calibri Light" pitchFamily="34" charset="0"/>
+              </a:rPr>
+              <a:t>At first we used linear regression model. </a:t>
+            </a:r>
+          </a:p>
+          <a:p>
+            <a:pPr lvl="2"/>
+            <a:r>
+              <a:rPr lang="en-IN" sz="4400" dirty="0" smtClean="0">
+                <a:latin typeface="Calibri Light" pitchFamily="34" charset="0"/>
+                <a:cs typeface="Calibri Light" pitchFamily="34" charset="0"/>
+              </a:rPr>
+              <a:t>As a result, </a:t>
+            </a:r>
+            <a:r>
+              <a:rPr lang="en-US" sz="4400" dirty="0" smtClean="0">
+                <a:latin typeface="Calibri Light" pitchFamily="34" charset="0"/>
+                <a:cs typeface="Calibri Light" pitchFamily="34" charset="0"/>
+              </a:rPr>
+              <a:t>the model underestimated </a:t>
+            </a:r>
+            <a:r>
+              <a:rPr lang="en-US" sz="4400" dirty="0">
+                <a:latin typeface="Calibri Light" pitchFamily="34" charset="0"/>
+                <a:cs typeface="Calibri Light" pitchFamily="34" charset="0"/>
+              </a:rPr>
+              <a:t>the large </a:t>
+            </a:r>
+            <a:r>
+              <a:rPr lang="en-US" sz="4400" dirty="0" smtClean="0">
+                <a:latin typeface="Calibri Light" pitchFamily="34" charset="0"/>
+                <a:cs typeface="Calibri Light" pitchFamily="34" charset="0"/>
+              </a:rPr>
+              <a:t>delays</a:t>
+            </a:r>
+            <a:r>
+              <a:rPr lang="en-US" sz="4400" dirty="0" smtClean="0">
+                <a:latin typeface="Calibri Light" pitchFamily="34" charset="0"/>
+                <a:cs typeface="Calibri Light" pitchFamily="34" charset="0"/>
+              </a:rPr>
+              <a:t>.</a:t>
+            </a:r>
+            <a:r>
+              <a:rPr lang="en-IN" sz="4400" dirty="0" smtClean="0">
+                <a:latin typeface="Calibri Light" pitchFamily="34" charset="0"/>
+                <a:cs typeface="Calibri Light" pitchFamily="34" charset="0"/>
+              </a:rPr>
+              <a:t>. </a:t>
+            </a:r>
+            <a:endParaRPr lang="en-IN" sz="4400" dirty="0">
+              <a:latin typeface="Calibri Light" pitchFamily="34" charset="0"/>
+              <a:cs typeface="Calibri Light" pitchFamily="34" charset="0"/>
+            </a:endParaRPr>
+          </a:p>
+          <a:p>
+            <a:pPr lvl="2"/>
+            <a:endParaRPr lang="en-US" sz="4400" dirty="0" smtClean="0">
               <a:latin typeface="Calibri Light" pitchFamily="34" charset="0"/>
               <a:cs typeface="Calibri Light" pitchFamily="34" charset="0"/>
             </a:endParaRPr>
@@ -4654,6 +4639,357 @@
                 <a:latin typeface="Calibri Light" pitchFamily="34" charset="0"/>
                 <a:cs typeface="Calibri Light" pitchFamily="34" charset="0"/>
               </a:rPr>
+              <a:t>POLYNOMIAL REGRESSION</a:t>
+            </a:r>
+            <a:endParaRPr lang="en-IN" dirty="0">
+              <a:latin typeface="Calibri Light" pitchFamily="34" charset="0"/>
+              <a:cs typeface="Calibri Light" pitchFamily="34" charset="0"/>
+            </a:endParaRPr>
+          </a:p>
+        </p:txBody>
+      </p:sp>
+      <p:sp>
+        <p:nvSpPr>
+          <p:cNvPr id="3" name="Content Placeholder 2"/>
+          <p:cNvSpPr>
+            <a:spLocks noGrp="1"/>
+          </p:cNvSpPr>
+          <p:nvPr>
+            <p:ph idx="1"/>
+          </p:nvPr>
+        </p:nvSpPr>
+        <p:spPr/>
+        <p:txBody>
+          <a:bodyPr>
+            <a:normAutofit fontScale="62500" lnSpcReduction="20000"/>
+          </a:bodyPr>
+          <a:lstStyle/>
+          <a:p>
+            <a:pPr lvl="2"/>
+            <a:r>
+              <a:rPr lang="en-US" sz="4400" b="1" dirty="0">
+                <a:latin typeface="Calibri Light" pitchFamily="34" charset="0"/>
+                <a:cs typeface="Calibri Light" pitchFamily="34" charset="0"/>
+              </a:rPr>
+              <a:t>Polynomial Regression</a:t>
+            </a:r>
+            <a:r>
+              <a:rPr lang="en-US" sz="4400" dirty="0">
+                <a:latin typeface="Calibri Light" pitchFamily="34" charset="0"/>
+                <a:cs typeface="Calibri Light" pitchFamily="34" charset="0"/>
+              </a:rPr>
+              <a:t> is a form of linear </a:t>
+            </a:r>
+            <a:r>
+              <a:rPr lang="en-US" sz="4400" b="1" dirty="0">
+                <a:latin typeface="Calibri Light" pitchFamily="34" charset="0"/>
+                <a:cs typeface="Calibri Light" pitchFamily="34" charset="0"/>
+              </a:rPr>
+              <a:t>regression</a:t>
+            </a:r>
+            <a:r>
+              <a:rPr lang="en-US" sz="4400" dirty="0">
+                <a:latin typeface="Calibri Light" pitchFamily="34" charset="0"/>
+                <a:cs typeface="Calibri Light" pitchFamily="34" charset="0"/>
+              </a:rPr>
+              <a:t> in which the relationship between the independent variable x and dependent variable y is modeled as an nth degree </a:t>
+            </a:r>
+            <a:r>
+              <a:rPr lang="en-US" sz="4400" b="1" dirty="0">
+                <a:latin typeface="Calibri Light" pitchFamily="34" charset="0"/>
+                <a:cs typeface="Calibri Light" pitchFamily="34" charset="0"/>
+              </a:rPr>
+              <a:t>polynomial</a:t>
+            </a:r>
+            <a:r>
+              <a:rPr lang="en-US" sz="4400" dirty="0">
+                <a:latin typeface="Calibri Light" pitchFamily="34" charset="0"/>
+                <a:cs typeface="Calibri Light" pitchFamily="34" charset="0"/>
+              </a:rPr>
+              <a:t>.</a:t>
+            </a:r>
+          </a:p>
+          <a:p>
+            <a:pPr lvl="2"/>
+            <a:r>
+              <a:rPr lang="en-US" sz="4400" dirty="0">
+                <a:latin typeface="Calibri Light" pitchFamily="34" charset="0"/>
+                <a:cs typeface="Calibri Light" pitchFamily="34" charset="0"/>
+              </a:rPr>
+              <a:t>So, we extended the previous fit by using a polynomial rather than a linear function.</a:t>
+            </a:r>
+          </a:p>
+          <a:p>
+            <a:pPr lvl="2"/>
+            <a:r>
+              <a:rPr lang="en-US" sz="4400" dirty="0">
+                <a:latin typeface="Calibri Light" pitchFamily="34" charset="0"/>
+                <a:cs typeface="Calibri Light" pitchFamily="34" charset="0"/>
+              </a:rPr>
+              <a:t>We observed  that a polynomial fit improved the MSE score slightly.</a:t>
+            </a:r>
+          </a:p>
+          <a:p>
+            <a:pPr lvl="2"/>
+            <a:r>
+              <a:rPr lang="en-IN" sz="4400" dirty="0">
+                <a:latin typeface="Calibri Light" pitchFamily="34" charset="0"/>
+                <a:cs typeface="Calibri Light" pitchFamily="34" charset="0"/>
+              </a:rPr>
+              <a:t>Then we used Ridge Regularization for better accuracy</a:t>
+            </a:r>
+            <a:endParaRPr lang="en-IN" dirty="0"/>
+          </a:p>
+        </p:txBody>
+      </p:sp>
+    </p:spTree>
+    <p:extLst>
+      <p:ext uri="{BB962C8B-B14F-4D97-AF65-F5344CB8AC3E}">
+        <p14:creationId xmlns:p14="http://schemas.microsoft.com/office/powerpoint/2010/main" val="419104085"/>
+      </p:ext>
+    </p:extLst>
+  </p:cSld>
+  <p:clrMapOvr>
+    <a:masterClrMapping/>
+  </p:clrMapOvr>
+</p:sld>
+</file>
+
+<file path=ppt/slides/slide13.xml><?xml version="1.0" encoding="utf-8"?>
+<p:sld xmlns:a="http://schemas.openxmlformats.org/drawingml/2006/main" xmlns:r="http://schemas.openxmlformats.org/officeDocument/2006/relationships" xmlns:p="http://schemas.openxmlformats.org/presentationml/2006/main">
+  <p:cSld>
+    <p:spTree>
+      <p:nvGrpSpPr>
+        <p:cNvPr id="1" name=""/>
+        <p:cNvGrpSpPr/>
+        <p:nvPr/>
+      </p:nvGrpSpPr>
+      <p:grpSpPr>
+        <a:xfrm>
+          <a:off x="0" y="0"/>
+          <a:ext cx="0" cy="0"/>
+          <a:chOff x="0" y="0"/>
+          <a:chExt cx="0" cy="0"/>
+        </a:xfrm>
+      </p:grpSpPr>
+      <p:sp>
+        <p:nvSpPr>
+          <p:cNvPr id="2" name="Title 1"/>
+          <p:cNvSpPr>
+            <a:spLocks noGrp="1"/>
+          </p:cNvSpPr>
+          <p:nvPr>
+            <p:ph type="title"/>
+          </p:nvPr>
+        </p:nvSpPr>
+        <p:spPr/>
+        <p:txBody>
+          <a:bodyPr/>
+          <a:lstStyle/>
+          <a:p>
+            <a:r>
+              <a:rPr lang="en-IN" dirty="0" smtClean="0"/>
+              <a:t>RIDGE REGULARIZATION</a:t>
+            </a:r>
+            <a:endParaRPr lang="en-IN" dirty="0"/>
+          </a:p>
+        </p:txBody>
+      </p:sp>
+      <p:sp>
+        <p:nvSpPr>
+          <p:cNvPr id="3" name="Content Placeholder 2"/>
+          <p:cNvSpPr>
+            <a:spLocks noGrp="1"/>
+          </p:cNvSpPr>
+          <p:nvPr>
+            <p:ph idx="1"/>
+          </p:nvPr>
+        </p:nvSpPr>
+        <p:spPr/>
+        <p:txBody>
+          <a:bodyPr>
+            <a:noAutofit/>
+          </a:bodyPr>
+          <a:lstStyle/>
+          <a:p>
+            <a:r>
+              <a:rPr lang="en-US" sz="2400" dirty="0" smtClean="0">
+                <a:latin typeface="Calibri Light" pitchFamily="34" charset="0"/>
+                <a:cs typeface="Calibri Light" pitchFamily="34" charset="0"/>
+              </a:rPr>
+              <a:t>It </a:t>
+            </a:r>
+            <a:r>
+              <a:rPr lang="en-US" sz="2400" dirty="0">
+                <a:latin typeface="Calibri Light" pitchFamily="34" charset="0"/>
+                <a:cs typeface="Calibri Light" pitchFamily="34" charset="0"/>
+              </a:rPr>
+              <a:t>is particularly useful to mitigate the problem of </a:t>
+            </a:r>
+            <a:r>
+              <a:rPr lang="en-US" sz="2400" dirty="0" err="1">
+                <a:latin typeface="Calibri Light" pitchFamily="34" charset="0"/>
+                <a:cs typeface="Calibri Light" pitchFamily="34" charset="0"/>
+              </a:rPr>
+              <a:t>multicollinearity</a:t>
+            </a:r>
+            <a:r>
+              <a:rPr lang="en-US" sz="2400" dirty="0">
+                <a:latin typeface="Calibri Light" pitchFamily="34" charset="0"/>
+                <a:cs typeface="Calibri Light" pitchFamily="34" charset="0"/>
+              </a:rPr>
+              <a:t> in linear regression, which commonly occurs in models with large numbers of parameters</a:t>
+            </a:r>
+            <a:r>
+              <a:rPr lang="en-US" sz="2400" dirty="0" smtClean="0">
+                <a:latin typeface="Calibri Light" pitchFamily="34" charset="0"/>
+                <a:cs typeface="Calibri Light" pitchFamily="34" charset="0"/>
+              </a:rPr>
+              <a:t>.</a:t>
+            </a:r>
+          </a:p>
+          <a:p>
+            <a:r>
+              <a:rPr lang="en-US" sz="2400" dirty="0">
+                <a:latin typeface="Calibri Light" pitchFamily="34" charset="0"/>
+                <a:cs typeface="Calibri Light" pitchFamily="34" charset="0"/>
+              </a:rPr>
+              <a:t>T</a:t>
+            </a:r>
+            <a:r>
+              <a:rPr lang="en-US" sz="2400" dirty="0" smtClean="0">
+                <a:latin typeface="Calibri Light" pitchFamily="34" charset="0"/>
+                <a:cs typeface="Calibri Light" pitchFamily="34" charset="0"/>
+              </a:rPr>
+              <a:t>here </a:t>
+            </a:r>
+            <a:r>
+              <a:rPr lang="en-US" sz="2400" dirty="0">
+                <a:latin typeface="Calibri Light" pitchFamily="34" charset="0"/>
+                <a:cs typeface="Calibri Light" pitchFamily="34" charset="0"/>
+              </a:rPr>
+              <a:t>is a risk of </a:t>
+            </a:r>
+            <a:r>
+              <a:rPr lang="en-US" sz="2400" dirty="0" err="1">
+                <a:latin typeface="Calibri Light" pitchFamily="34" charset="0"/>
+                <a:cs typeface="Calibri Light" pitchFamily="34" charset="0"/>
+              </a:rPr>
+              <a:t>overfitting</a:t>
+            </a:r>
+            <a:r>
+              <a:rPr lang="en-US" sz="2400" dirty="0">
+                <a:latin typeface="Calibri Light" pitchFamily="34" charset="0"/>
+                <a:cs typeface="Calibri Light" pitchFamily="34" charset="0"/>
+              </a:rPr>
+              <a:t> </a:t>
+            </a:r>
+            <a:r>
+              <a:rPr lang="en-US" sz="2400" dirty="0" smtClean="0">
+                <a:latin typeface="Calibri Light" pitchFamily="34" charset="0"/>
+                <a:cs typeface="Calibri Light" pitchFamily="34" charset="0"/>
+              </a:rPr>
+              <a:t>and the </a:t>
+            </a:r>
+            <a:r>
+              <a:rPr lang="en-US" sz="2400" dirty="0">
+                <a:latin typeface="Calibri Light" pitchFamily="34" charset="0"/>
+                <a:cs typeface="Calibri Light" pitchFamily="34" charset="0"/>
+              </a:rPr>
+              <a:t>free parameters of the model will be biased. Hence, the model will not allow a good generalization. In what follows, </a:t>
+            </a:r>
+            <a:r>
+              <a:rPr lang="en-US" sz="2400" dirty="0" smtClean="0">
+                <a:latin typeface="Calibri Light" pitchFamily="34" charset="0"/>
+                <a:cs typeface="Calibri Light" pitchFamily="34" charset="0"/>
+              </a:rPr>
+              <a:t>we therefore </a:t>
+            </a:r>
+            <a:r>
+              <a:rPr lang="en-US" sz="2400" dirty="0">
+                <a:latin typeface="Calibri Light" pitchFamily="34" charset="0"/>
+                <a:cs typeface="Calibri Light" pitchFamily="34" charset="0"/>
+              </a:rPr>
+              <a:t>split the </a:t>
+            </a:r>
+            <a:r>
+              <a:rPr lang="en-US" sz="2400" dirty="0" smtClean="0">
+                <a:latin typeface="Calibri Light" pitchFamily="34" charset="0"/>
+                <a:cs typeface="Calibri Light" pitchFamily="34" charset="0"/>
+              </a:rPr>
+              <a:t>data </a:t>
+            </a:r>
+            <a:r>
+              <a:rPr lang="en-US" sz="2400" dirty="0">
+                <a:latin typeface="Calibri Light" pitchFamily="34" charset="0"/>
+                <a:cs typeface="Calibri Light" pitchFamily="34" charset="0"/>
+              </a:rPr>
+              <a:t>in order to train and then test the model. The purpose will be to determine the polynomial degree which allows the best generalization of the </a:t>
+            </a:r>
+            <a:r>
+              <a:rPr lang="en-US" sz="2400" dirty="0" smtClean="0">
+                <a:latin typeface="Calibri Light" pitchFamily="34" charset="0"/>
+                <a:cs typeface="Calibri Light" pitchFamily="34" charset="0"/>
+              </a:rPr>
+              <a:t>predictions.</a:t>
+            </a:r>
+            <a:endParaRPr lang="en-IN" sz="2400" dirty="0">
+              <a:latin typeface="Calibri Light" pitchFamily="34" charset="0"/>
+              <a:cs typeface="Calibri Light" pitchFamily="34" charset="0"/>
+            </a:endParaRPr>
+          </a:p>
+        </p:txBody>
+      </p:sp>
+    </p:spTree>
+    <p:extLst>
+      <p:ext uri="{BB962C8B-B14F-4D97-AF65-F5344CB8AC3E}">
+        <p14:creationId xmlns:p14="http://schemas.microsoft.com/office/powerpoint/2010/main" val="4155595415"/>
+      </p:ext>
+    </p:extLst>
+  </p:cSld>
+  <p:clrMapOvr>
+    <a:masterClrMapping/>
+  </p:clrMapOvr>
+</p:sld>
+</file>
+
+<file path=ppt/slides/slide14.xml><?xml version="1.0" encoding="utf-8"?>
+<p:sld xmlns:a="http://schemas.openxmlformats.org/drawingml/2006/main" xmlns:r="http://schemas.openxmlformats.org/officeDocument/2006/relationships" xmlns:p="http://schemas.openxmlformats.org/presentationml/2006/main">
+  <p:cSld>
+    <p:spTree>
+      <p:nvGrpSpPr>
+        <p:cNvPr id="1" name=""/>
+        <p:cNvGrpSpPr/>
+        <p:nvPr/>
+      </p:nvGrpSpPr>
+      <p:grpSpPr>
+        <a:xfrm>
+          <a:off x="0" y="0"/>
+          <a:ext cx="0" cy="0"/>
+          <a:chOff x="0" y="0"/>
+          <a:chExt cx="0" cy="0"/>
+        </a:xfrm>
+      </p:grpSpPr>
+      <p:sp>
+        <p:nvSpPr>
+          <p:cNvPr id="2" name="Title 1"/>
+          <p:cNvSpPr>
+            <a:spLocks noGrp="1"/>
+          </p:cNvSpPr>
+          <p:nvPr>
+            <p:ph type="title"/>
+          </p:nvPr>
+        </p:nvSpPr>
+        <p:spPr/>
+        <p:txBody>
+          <a:bodyPr/>
+          <a:lstStyle/>
+          <a:p>
+            <a:r>
+              <a:rPr lang="en-IN" dirty="0" smtClean="0">
+                <a:latin typeface="Calibri Light" pitchFamily="34" charset="0"/>
+                <a:cs typeface="Calibri Light" pitchFamily="34" charset="0"/>
+              </a:rPr>
               <a:t>DATA ACCURACY</a:t>
             </a:r>
             <a:endParaRPr lang="en-IN" dirty="0">
@@ -4737,7 +5073,7 @@
 </p:sld>
 </file>
 
-<file path=ppt/slides/slide13.xml><?xml version="1.0" encoding="utf-8"?>
+<file path=ppt/slides/slide15.xml><?xml version="1.0" encoding="utf-8"?>
 <p:sld xmlns:a="http://schemas.openxmlformats.org/drawingml/2006/main" xmlns:r="http://schemas.openxmlformats.org/officeDocument/2006/relationships" xmlns:p="http://schemas.openxmlformats.org/presentationml/2006/main">
   <p:cSld>
     <p:spTree>
@@ -5019,7 +5355,7 @@
         <p:spPr/>
         <p:txBody>
           <a:bodyPr>
-            <a:normAutofit/>
+            <a:normAutofit fontScale="92500" lnSpcReduction="10000"/>
           </a:bodyPr>
           <a:lstStyle/>
           <a:p>
@@ -5028,7 +5364,36 @@
                 <a:latin typeface="Calibri Light" pitchFamily="34" charset="0"/>
                 <a:cs typeface="Calibri Light" pitchFamily="34" charset="0"/>
               </a:rPr>
-              <a:t>Datasets used are –</a:t>
+              <a:t>No. of Rows =</a:t>
+            </a:r>
+            <a:r>
+              <a:rPr lang="en-IN" dirty="0" smtClean="0"/>
+              <a:t>5819079</a:t>
+            </a:r>
+          </a:p>
+          <a:p>
+            <a:r>
+              <a:rPr lang="en-IN" dirty="0" smtClean="0">
+                <a:latin typeface="Calibri Light" pitchFamily="34" charset="0"/>
+                <a:cs typeface="Calibri Light" pitchFamily="34" charset="0"/>
+              </a:rPr>
+              <a:t>No. of Columns = 31</a:t>
+            </a:r>
+          </a:p>
+          <a:p>
+            <a:r>
+              <a:rPr lang="en-IN" dirty="0" smtClean="0">
+                <a:latin typeface="Calibri Light" pitchFamily="34" charset="0"/>
+                <a:cs typeface="Calibri Light" pitchFamily="34" charset="0"/>
+              </a:rPr>
+              <a:t>Datasets </a:t>
+            </a:r>
+            <a:r>
+              <a:rPr lang="en-IN" dirty="0" smtClean="0">
+                <a:latin typeface="Calibri Light" pitchFamily="34" charset="0"/>
+                <a:cs typeface="Calibri Light" pitchFamily="34" charset="0"/>
+              </a:rPr>
+              <a:t>used are –</a:t>
             </a:r>
           </a:p>
           <a:p>
@@ -5624,8 +5989,38 @@
                 <a:latin typeface="Calibri Light" pitchFamily="34" charset="0"/>
                 <a:cs typeface="Calibri Light" pitchFamily="34" charset="0"/>
               </a:rPr>
-              <a:t>: distance (in miles)</a:t>
-            </a:r>
+              <a:t>: distance (in miles</a:t>
+            </a:r>
+            <a:r>
+              <a:rPr lang="en-US" dirty="0" smtClean="0">
+                <a:solidFill>
+                  <a:schemeClr val="tx1"/>
+                </a:solidFill>
+                <a:latin typeface="Calibri Light" pitchFamily="34" charset="0"/>
+                <a:cs typeface="Calibri Light" pitchFamily="34" charset="0"/>
+              </a:rPr>
+              <a:t>)</a:t>
+            </a:r>
+          </a:p>
+          <a:p>
+            <a:pPr lvl="1"/>
+            <a:r>
+              <a:rPr lang="en-US" dirty="0" smtClean="0">
+                <a:solidFill>
+                  <a:schemeClr val="tx1"/>
+                </a:solidFill>
+                <a:latin typeface="Calibri Light" pitchFamily="34" charset="0"/>
+                <a:cs typeface="Calibri Light" pitchFamily="34" charset="0"/>
+              </a:rPr>
+              <a:t>We reduced the dataset to 469969 rows of the dataset.</a:t>
+            </a:r>
+            <a:endParaRPr lang="en-US" dirty="0">
+              <a:solidFill>
+                <a:schemeClr val="tx1"/>
+              </a:solidFill>
+              <a:latin typeface="Calibri Light" pitchFamily="34" charset="0"/>
+              <a:cs typeface="Calibri Light" pitchFamily="34" charset="0"/>
+            </a:endParaRPr>
           </a:p>
           <a:p>
             <a:endParaRPr lang="en-IN" dirty="0"/>
@@ -6160,18 +6555,40 @@
                 <a:latin typeface="Calibri Light" pitchFamily="34" charset="0"/>
                 <a:cs typeface="Calibri Light" pitchFamily="34" charset="0"/>
               </a:rPr>
-              <a:t>Attribute Subset selection</a:t>
-            </a:r>
-          </a:p>
-          <a:p>
-            <a:pPr lvl="2"/>
-            <a:r>
-              <a:rPr lang="en-IN" sz="3600" dirty="0" smtClean="0">
-                <a:latin typeface="Calibri Light" pitchFamily="34" charset="0"/>
-                <a:cs typeface="Calibri Light" pitchFamily="34" charset="0"/>
-              </a:rPr>
-              <a:t>Label Encoding</a:t>
-            </a:r>
+              <a:t>Label Encoding- Namely, o</a:t>
+            </a:r>
+            <a:r>
+              <a:rPr lang="en-US" sz="3600" dirty="0" smtClean="0">
+                <a:latin typeface="Calibri Light" pitchFamily="34" charset="0"/>
+                <a:cs typeface="Calibri Light" pitchFamily="34" charset="0"/>
+              </a:rPr>
+              <a:t>ne </a:t>
+            </a:r>
+            <a:r>
+              <a:rPr lang="en-US" sz="3600" dirty="0">
+                <a:latin typeface="Calibri Light" pitchFamily="34" charset="0"/>
+                <a:cs typeface="Calibri Light" pitchFamily="34" charset="0"/>
+              </a:rPr>
+              <a:t>hot encoding </a:t>
+            </a:r>
+            <a:r>
+              <a:rPr lang="en-US" sz="3600" dirty="0" smtClean="0">
+                <a:latin typeface="Calibri Light" pitchFamily="34" charset="0"/>
+                <a:cs typeface="Calibri Light" pitchFamily="34" charset="0"/>
+              </a:rPr>
+              <a:t>which is </a:t>
+            </a:r>
+            <a:r>
+              <a:rPr lang="en-US" sz="3600" dirty="0">
+                <a:latin typeface="Calibri Light" pitchFamily="34" charset="0"/>
+                <a:cs typeface="Calibri Light" pitchFamily="34" charset="0"/>
+              </a:rPr>
+              <a:t>the technique to convert categorical values into a 1-dimensional numerical vector</a:t>
+            </a:r>
+            <a:endParaRPr lang="en-IN" sz="3600" dirty="0" smtClean="0">
+              <a:latin typeface="Calibri Light" pitchFamily="34" charset="0"/>
+              <a:cs typeface="Calibri Light" pitchFamily="34" charset="0"/>
+            </a:endParaRPr>
           </a:p>
           <a:p>
             <a:pPr lvl="2"/>
